--- a/termproject/2d 게임 프로그래밍 게임 3차발표.pptx
+++ b/termproject/2d 게임 프로그래밍 게임 3차발표.pptx
@@ -113,7 +113,7 @@
   </p:defaultTextStyle>
   <p:extLst>
     <p:ext uri="{EFAFB233-063F-42B5-8137-9DF3F51BA10A}">
-      <p15:sldGuideLst xmlns:p15="http://schemas.microsoft.com/office/powerpoint/2012/main" xmlns=""/>
+      <p15:sldGuideLst xmlns="" xmlns:p15="http://schemas.microsoft.com/office/powerpoint/2012/main"/>
     </p:ext>
   </p:extLst>
 </p:presentation>
@@ -303,7 +303,7 @@
     </p:spTree>
     <p:extLst>
       <p:ext uri="{BB962C8B-B14F-4D97-AF65-F5344CB8AC3E}">
-        <p14:creationId xmlns="" xmlns:p14="http://schemas.microsoft.com/office/powerpoint/2010/main" val="491001332"/>
+        <p14:creationId xmlns:p14="http://schemas.microsoft.com/office/powerpoint/2010/main" xmlns="" val="491001332"/>
       </p:ext>
     </p:extLst>
   </p:cSld>
@@ -475,7 +475,7 @@
     </p:spTree>
     <p:extLst>
       <p:ext uri="{BB962C8B-B14F-4D97-AF65-F5344CB8AC3E}">
-        <p14:creationId xmlns="" xmlns:p14="http://schemas.microsoft.com/office/powerpoint/2010/main" val="4033814397"/>
+        <p14:creationId xmlns:p14="http://schemas.microsoft.com/office/powerpoint/2010/main" xmlns="" val="4033814397"/>
       </p:ext>
     </p:extLst>
   </p:cSld>
@@ -657,7 +657,7 @@
     </p:spTree>
     <p:extLst>
       <p:ext uri="{BB962C8B-B14F-4D97-AF65-F5344CB8AC3E}">
-        <p14:creationId xmlns="" xmlns:p14="http://schemas.microsoft.com/office/powerpoint/2010/main" val="2071345247"/>
+        <p14:creationId xmlns:p14="http://schemas.microsoft.com/office/powerpoint/2010/main" xmlns="" val="2071345247"/>
       </p:ext>
     </p:extLst>
   </p:cSld>
@@ -829,7 +829,7 @@
     </p:spTree>
     <p:extLst>
       <p:ext uri="{BB962C8B-B14F-4D97-AF65-F5344CB8AC3E}">
-        <p14:creationId xmlns="" xmlns:p14="http://schemas.microsoft.com/office/powerpoint/2010/main" val="1586298474"/>
+        <p14:creationId xmlns:p14="http://schemas.microsoft.com/office/powerpoint/2010/main" xmlns="" val="1586298474"/>
       </p:ext>
     </p:extLst>
   </p:cSld>
@@ -1077,7 +1077,7 @@
     </p:spTree>
     <p:extLst>
       <p:ext uri="{BB962C8B-B14F-4D97-AF65-F5344CB8AC3E}">
-        <p14:creationId xmlns="" xmlns:p14="http://schemas.microsoft.com/office/powerpoint/2010/main" val="1218600229"/>
+        <p14:creationId xmlns:p14="http://schemas.microsoft.com/office/powerpoint/2010/main" xmlns="" val="1218600229"/>
       </p:ext>
     </p:extLst>
   </p:cSld>
@@ -1311,7 +1311,7 @@
     </p:spTree>
     <p:extLst>
       <p:ext uri="{BB962C8B-B14F-4D97-AF65-F5344CB8AC3E}">
-        <p14:creationId xmlns="" xmlns:p14="http://schemas.microsoft.com/office/powerpoint/2010/main" val="4140602543"/>
+        <p14:creationId xmlns:p14="http://schemas.microsoft.com/office/powerpoint/2010/main" xmlns="" val="4140602543"/>
       </p:ext>
     </p:extLst>
   </p:cSld>
@@ -1680,7 +1680,7 @@
     </p:spTree>
     <p:extLst>
       <p:ext uri="{BB962C8B-B14F-4D97-AF65-F5344CB8AC3E}">
-        <p14:creationId xmlns="" xmlns:p14="http://schemas.microsoft.com/office/powerpoint/2010/main" val="3910876982"/>
+        <p14:creationId xmlns:p14="http://schemas.microsoft.com/office/powerpoint/2010/main" xmlns="" val="3910876982"/>
       </p:ext>
     </p:extLst>
   </p:cSld>
@@ -1800,7 +1800,7 @@
     </p:spTree>
     <p:extLst>
       <p:ext uri="{BB962C8B-B14F-4D97-AF65-F5344CB8AC3E}">
-        <p14:creationId xmlns="" xmlns:p14="http://schemas.microsoft.com/office/powerpoint/2010/main" val="419671676"/>
+        <p14:creationId xmlns:p14="http://schemas.microsoft.com/office/powerpoint/2010/main" xmlns="" val="419671676"/>
       </p:ext>
     </p:extLst>
   </p:cSld>
@@ -1897,7 +1897,7 @@
     </p:spTree>
     <p:extLst>
       <p:ext uri="{BB962C8B-B14F-4D97-AF65-F5344CB8AC3E}">
-        <p14:creationId xmlns="" xmlns:p14="http://schemas.microsoft.com/office/powerpoint/2010/main" val="182135812"/>
+        <p14:creationId xmlns:p14="http://schemas.microsoft.com/office/powerpoint/2010/main" xmlns="" val="182135812"/>
       </p:ext>
     </p:extLst>
   </p:cSld>
@@ -2176,7 +2176,7 @@
     </p:spTree>
     <p:extLst>
       <p:ext uri="{BB962C8B-B14F-4D97-AF65-F5344CB8AC3E}">
-        <p14:creationId xmlns="" xmlns:p14="http://schemas.microsoft.com/office/powerpoint/2010/main" val="3811810724"/>
+        <p14:creationId xmlns:p14="http://schemas.microsoft.com/office/powerpoint/2010/main" xmlns="" val="3811810724"/>
       </p:ext>
     </p:extLst>
   </p:cSld>
@@ -2431,7 +2431,7 @@
     </p:spTree>
     <p:extLst>
       <p:ext uri="{BB962C8B-B14F-4D97-AF65-F5344CB8AC3E}">
-        <p14:creationId xmlns="" xmlns:p14="http://schemas.microsoft.com/office/powerpoint/2010/main" val="2081223966"/>
+        <p14:creationId xmlns:p14="http://schemas.microsoft.com/office/powerpoint/2010/main" xmlns="" val="2081223966"/>
       </p:ext>
     </p:extLst>
   </p:cSld>
@@ -2685,7 +2685,7 @@
     </p:spTree>
     <p:extLst>
       <p:ext uri="{BB962C8B-B14F-4D97-AF65-F5344CB8AC3E}">
-        <p14:creationId xmlns="" xmlns:p14="http://schemas.microsoft.com/office/powerpoint/2010/main" val="3692688265"/>
+        <p14:creationId xmlns:p14="http://schemas.microsoft.com/office/powerpoint/2010/main" xmlns="" val="3692688265"/>
       </p:ext>
     </p:extLst>
   </p:cSld>
@@ -3393,7 +3393,7 @@
     </p:spTree>
     <p:extLst>
       <p:ext uri="{BB962C8B-B14F-4D97-AF65-F5344CB8AC3E}">
-        <p14:creationId xmlns="" xmlns:p14="http://schemas.microsoft.com/office/powerpoint/2010/main" val="908584263"/>
+        <p14:creationId xmlns:p14="http://schemas.microsoft.com/office/powerpoint/2010/main" xmlns="" val="908584263"/>
       </p:ext>
     </p:extLst>
   </p:cSld>
@@ -4513,7 +4513,7 @@
     </p:spTree>
     <p:extLst>
       <p:ext uri="{BB962C8B-B14F-4D97-AF65-F5344CB8AC3E}">
-        <p14:creationId xmlns="" xmlns:p14="http://schemas.microsoft.com/office/powerpoint/2010/main" val="996427334"/>
+        <p14:creationId xmlns:p14="http://schemas.microsoft.com/office/powerpoint/2010/main" xmlns="" val="996427334"/>
       </p:ext>
     </p:extLst>
   </p:cSld>
@@ -5001,7 +5001,7 @@
     </p:spTree>
     <p:extLst>
       <p:ext uri="{BB962C8B-B14F-4D97-AF65-F5344CB8AC3E}">
-        <p14:creationId xmlns="" xmlns:p14="http://schemas.microsoft.com/office/powerpoint/2010/main" val="3636801461"/>
+        <p14:creationId xmlns:p14="http://schemas.microsoft.com/office/powerpoint/2010/main" xmlns="" val="3636801461"/>
       </p:ext>
     </p:extLst>
   </p:cSld>
@@ -5933,7 +5933,7 @@
     </p:spTree>
     <p:extLst>
       <p:ext uri="{BB962C8B-B14F-4D97-AF65-F5344CB8AC3E}">
-        <p14:creationId xmlns="" xmlns:p14="http://schemas.microsoft.com/office/powerpoint/2010/main" val="3636801461"/>
+        <p14:creationId xmlns:p14="http://schemas.microsoft.com/office/powerpoint/2010/main" xmlns="" val="3636801461"/>
       </p:ext>
     </p:extLst>
   </p:cSld>
@@ -7058,15 +7058,7 @@
                       <a:pPr latinLnBrk="1"/>
                       <a:r>
                         <a:rPr lang="ko-KR" altLang="en-US" sz="1600" dirty="0" smtClean="0"/>
-                        <a:t>배운 </a:t>
-                      </a:r>
-                      <a:r>
-                        <a:rPr lang="ko-KR" altLang="en-US" sz="1600" dirty="0" smtClean="0"/>
-                        <a:t>내용을 </a:t>
-                      </a:r>
-                      <a:r>
-                        <a:rPr lang="ko-KR" altLang="en-US" sz="1600" dirty="0" smtClean="0"/>
-                        <a:t>토대로 구현 </a:t>
+                        <a:t>배운 내용을 토대로 구현 </a:t>
                       </a:r>
                       <a:endParaRPr lang="en-US" altLang="ko-KR" sz="1600" dirty="0" smtClean="0"/>
                     </a:p>
@@ -7149,7 +7141,7 @@
     </p:spTree>
     <p:extLst>
       <p:ext uri="{BB962C8B-B14F-4D97-AF65-F5344CB8AC3E}">
-        <p14:creationId xmlns="" xmlns:p14="http://schemas.microsoft.com/office/powerpoint/2010/main" val="3502380940"/>
+        <p14:creationId xmlns:p14="http://schemas.microsoft.com/office/powerpoint/2010/main" xmlns="" val="3502380940"/>
       </p:ext>
     </p:extLst>
   </p:cSld>
@@ -7476,32 +7468,40 @@
       </p:sp>
       <p:pic>
         <p:nvPicPr>
-          <p:cNvPr id="10" name="그림 9" descr="캡처.PNG"/>
+          <p:cNvPr id="1026" name="Picture 2"/>
           <p:cNvPicPr>
-            <a:picLocks noChangeAspect="1"/>
+            <a:picLocks noChangeAspect="1" noChangeArrowheads="1"/>
           </p:cNvPicPr>
           <p:nvPr/>
         </p:nvPicPr>
         <p:blipFill>
           <a:blip r:embed="rId2" cstate="print"/>
+          <a:srcRect/>
           <a:stretch>
             <a:fillRect/>
           </a:stretch>
         </p:blipFill>
-        <p:spPr>
+        <p:spPr bwMode="auto">
           <a:xfrm>
-            <a:off x="3798593" y="843949"/>
-            <a:ext cx="7468643" cy="5344271"/>
+            <a:off x="3915002" y="1036864"/>
+            <a:ext cx="7439025" cy="5219700"/>
           </a:xfrm>
           <a:prstGeom prst="rect">
             <a:avLst/>
           </a:prstGeom>
+          <a:noFill/>
+          <a:ln w="9525">
+            <a:noFill/>
+            <a:miter lim="800000"/>
+            <a:headEnd/>
+            <a:tailEnd/>
+          </a:ln>
         </p:spPr>
       </p:pic>
     </p:spTree>
     <p:extLst>
       <p:ext uri="{BB962C8B-B14F-4D97-AF65-F5344CB8AC3E}">
-        <p14:creationId xmlns="" xmlns:p14="http://schemas.microsoft.com/office/powerpoint/2010/main" val="3636801461"/>
+        <p14:creationId xmlns:p14="http://schemas.microsoft.com/office/powerpoint/2010/main" xmlns="" val="3636801461"/>
       </p:ext>
     </p:extLst>
   </p:cSld>
@@ -8077,7 +8077,7 @@
     </p:spTree>
     <p:extLst>
       <p:ext uri="{BB962C8B-B14F-4D97-AF65-F5344CB8AC3E}">
-        <p14:creationId xmlns="" xmlns:p14="http://schemas.microsoft.com/office/powerpoint/2010/main" val="3636801461"/>
+        <p14:creationId xmlns:p14="http://schemas.microsoft.com/office/powerpoint/2010/main" xmlns="" val="3636801461"/>
       </p:ext>
     </p:extLst>
   </p:cSld>
@@ -8248,7 +8248,7 @@
     </p:spTree>
     <p:extLst>
       <p:ext uri="{BB962C8B-B14F-4D97-AF65-F5344CB8AC3E}">
-        <p14:creationId xmlns="" xmlns:p14="http://schemas.microsoft.com/office/powerpoint/2010/main" val="3502380940"/>
+        <p14:creationId xmlns:p14="http://schemas.microsoft.com/office/powerpoint/2010/main" xmlns="" val="3502380940"/>
       </p:ext>
     </p:extLst>
   </p:cSld>
@@ -8513,7 +8513,7 @@
   <a:extraClrSchemeLst/>
   <a:extLst>
     <a:ext uri="{05A4C25C-085E-4340-85A3-A5531E510DB2}">
-      <thm15:themeFamily xmlns:thm15="http://schemas.microsoft.com/office/thememl/2012/main" xmlns="" name="Office Theme" id="{62F939B6-93AF-4DB8-9C6B-D6C7DFDC589F}" vid="{4A3C46E8-61CC-4603-A589-7422A47A8E4A}"/>
+      <thm15:themeFamily xmlns="" xmlns:thm15="http://schemas.microsoft.com/office/thememl/2012/main" name="Office Theme" id="{62F939B6-93AF-4DB8-9C6B-D6C7DFDC589F}" vid="{4A3C46E8-61CC-4603-A589-7422A47A8E4A}"/>
     </a:ext>
   </a:extLst>
 </a:theme>
